--- a/Report 2 Weka Assignment/Weka Tutorial Slides/Section 5. Cluster analysis, association analysis and text mining in Weka/3. Association analysis.pptx
+++ b/Report 2 Weka Assignment/Weka Tutorial Slides/Section 5. Cluster analysis, association analysis and text mining in Weka/3. Association analysis.pptx
@@ -9,32 +9,6 @@
     <p:sldId id="279" r:id="rId3"/>
     <p:sldId id="280" r:id="rId4"/>
     <p:sldId id="281" r:id="rId5"/>
-    <p:sldId id="282" r:id="rId6"/>
-    <p:sldId id="283" r:id="rId7"/>
-    <p:sldId id="284" r:id="rId8"/>
-    <p:sldId id="285" r:id="rId9"/>
-    <p:sldId id="286" r:id="rId10"/>
-    <p:sldId id="287" r:id="rId11"/>
-    <p:sldId id="288" r:id="rId12"/>
-    <p:sldId id="289" r:id="rId13"/>
-    <p:sldId id="290" r:id="rId14"/>
-    <p:sldId id="291" r:id="rId15"/>
-    <p:sldId id="292" r:id="rId16"/>
-    <p:sldId id="293" r:id="rId17"/>
-    <p:sldId id="294" r:id="rId18"/>
-    <p:sldId id="295" r:id="rId19"/>
-    <p:sldId id="296" r:id="rId20"/>
-    <p:sldId id="297" r:id="rId21"/>
-    <p:sldId id="298" r:id="rId22"/>
-    <p:sldId id="299" r:id="rId23"/>
-    <p:sldId id="300" r:id="rId24"/>
-    <p:sldId id="301" r:id="rId25"/>
-    <p:sldId id="302" r:id="rId26"/>
-    <p:sldId id="303" r:id="rId27"/>
-    <p:sldId id="304" r:id="rId28"/>
-    <p:sldId id="305" r:id="rId29"/>
-    <p:sldId id="306" r:id="rId30"/>
-    <p:sldId id="307" r:id="rId31"/>
   </p:sldIdLst>
   <p:sldSz cx="12192000" cy="6858000"/>
   <p:notesSz cx="6858000" cy="9144000"/>
@@ -290,7 +264,7 @@
           <a:p>
             <a:fld id="{93E77F30-C913-4951-B471-158681376DA3}" type="datetimeFigureOut">
               <a:rPr lang="en-FI" smtClean="0"/>
-              <a:t>19/03/2024</a:t>
+              <a:t>06/04/2024</a:t>
             </a:fld>
             <a:endParaRPr lang="en-FI"/>
           </a:p>
@@ -490,7 +464,7 @@
           <a:p>
             <a:fld id="{93E77F30-C913-4951-B471-158681376DA3}" type="datetimeFigureOut">
               <a:rPr lang="en-FI" smtClean="0"/>
-              <a:t>19/03/2024</a:t>
+              <a:t>06/04/2024</a:t>
             </a:fld>
             <a:endParaRPr lang="en-FI"/>
           </a:p>
@@ -700,7 +674,7 @@
           <a:p>
             <a:fld id="{93E77F30-C913-4951-B471-158681376DA3}" type="datetimeFigureOut">
               <a:rPr lang="en-FI" smtClean="0"/>
-              <a:t>19/03/2024</a:t>
+              <a:t>06/04/2024</a:t>
             </a:fld>
             <a:endParaRPr lang="en-FI"/>
           </a:p>
@@ -900,7 +874,7 @@
           <a:p>
             <a:fld id="{93E77F30-C913-4951-B471-158681376DA3}" type="datetimeFigureOut">
               <a:rPr lang="en-FI" smtClean="0"/>
-              <a:t>19/03/2024</a:t>
+              <a:t>06/04/2024</a:t>
             </a:fld>
             <a:endParaRPr lang="en-FI"/>
           </a:p>
@@ -1176,7 +1150,7 @@
           <a:p>
             <a:fld id="{93E77F30-C913-4951-B471-158681376DA3}" type="datetimeFigureOut">
               <a:rPr lang="en-FI" smtClean="0"/>
-              <a:t>19/03/2024</a:t>
+              <a:t>06/04/2024</a:t>
             </a:fld>
             <a:endParaRPr lang="en-FI"/>
           </a:p>
@@ -1444,7 +1418,7 @@
           <a:p>
             <a:fld id="{93E77F30-C913-4951-B471-158681376DA3}" type="datetimeFigureOut">
               <a:rPr lang="en-FI" smtClean="0"/>
-              <a:t>19/03/2024</a:t>
+              <a:t>06/04/2024</a:t>
             </a:fld>
             <a:endParaRPr lang="en-FI"/>
           </a:p>
@@ -1859,7 +1833,7 @@
           <a:p>
             <a:fld id="{93E77F30-C913-4951-B471-158681376DA3}" type="datetimeFigureOut">
               <a:rPr lang="en-FI" smtClean="0"/>
-              <a:t>19/03/2024</a:t>
+              <a:t>06/04/2024</a:t>
             </a:fld>
             <a:endParaRPr lang="en-FI"/>
           </a:p>
@@ -2001,7 +1975,7 @@
           <a:p>
             <a:fld id="{93E77F30-C913-4951-B471-158681376DA3}" type="datetimeFigureOut">
               <a:rPr lang="en-FI" smtClean="0"/>
-              <a:t>19/03/2024</a:t>
+              <a:t>06/04/2024</a:t>
             </a:fld>
             <a:endParaRPr lang="en-FI"/>
           </a:p>
@@ -2114,7 +2088,7 @@
           <a:p>
             <a:fld id="{93E77F30-C913-4951-B471-158681376DA3}" type="datetimeFigureOut">
               <a:rPr lang="en-FI" smtClean="0"/>
-              <a:t>19/03/2024</a:t>
+              <a:t>06/04/2024</a:t>
             </a:fld>
             <a:endParaRPr lang="en-FI"/>
           </a:p>
@@ -2427,7 +2401,7 @@
           <a:p>
             <a:fld id="{93E77F30-C913-4951-B471-158681376DA3}" type="datetimeFigureOut">
               <a:rPr lang="en-FI" smtClean="0"/>
-              <a:t>19/03/2024</a:t>
+              <a:t>06/04/2024</a:t>
             </a:fld>
             <a:endParaRPr lang="en-FI"/>
           </a:p>
@@ -2716,7 +2690,7 @@
           <a:p>
             <a:fld id="{93E77F30-C913-4951-B471-158681376DA3}" type="datetimeFigureOut">
               <a:rPr lang="en-FI" smtClean="0"/>
-              <a:t>19/03/2024</a:t>
+              <a:t>06/04/2024</a:t>
             </a:fld>
             <a:endParaRPr lang="en-FI"/>
           </a:p>
@@ -2959,7 +2933,7 @@
           <a:p>
             <a:fld id="{93E77F30-C913-4951-B471-158681376DA3}" type="datetimeFigureOut">
               <a:rPr lang="en-FI" smtClean="0"/>
-              <a:t>19/03/2024</a:t>
+              <a:t>06/04/2024</a:t>
             </a:fld>
             <a:endParaRPr lang="en-FI"/>
           </a:p>
@@ -3382,370 +3356,40 @@
           <a:chExt cx="0" cy="0"/>
         </a:xfrm>
       </p:grpSpPr>
+      <p:pic>
+        <p:nvPicPr>
+          <p:cNvPr id="2" name="Picture 1">
+            <a:extLst>
+              <a:ext uri="{FF2B5EF4-FFF2-40B4-BE49-F238E27FC236}">
+                <a16:creationId xmlns:a16="http://schemas.microsoft.com/office/drawing/2014/main" id="{16EDECF4-2C76-9660-510C-02B9A6C971DD}"/>
+              </a:ext>
+            </a:extLst>
+          </p:cNvPr>
+          <p:cNvPicPr>
+            <a:picLocks noChangeAspect="1"/>
+          </p:cNvPicPr>
+          <p:nvPr/>
+        </p:nvPicPr>
+        <p:blipFill>
+          <a:blip r:embed="rId2"/>
+          <a:stretch>
+            <a:fillRect/>
+          </a:stretch>
+        </p:blipFill>
+        <p:spPr>
+          <a:xfrm>
+            <a:off x="0" y="232969"/>
+            <a:ext cx="12192000" cy="6392061"/>
+          </a:xfrm>
+          <a:prstGeom prst="rect">
+            <a:avLst/>
+          </a:prstGeom>
+        </p:spPr>
+      </p:pic>
     </p:spTree>
     <p:extLst>
       <p:ext uri="{BB962C8B-B14F-4D97-AF65-F5344CB8AC3E}">
         <p14:creationId xmlns:p14="http://schemas.microsoft.com/office/powerpoint/2010/main" val="1069294863"/>
-      </p:ext>
-    </p:extLst>
-  </p:cSld>
-  <p:clrMapOvr>
-    <a:masterClrMapping/>
-  </p:clrMapOvr>
-</p:sld>
-</file>
-
-<file path=ppt/slides/slide10.xml><?xml version="1.0" encoding="utf-8"?>
-<p:sld xmlns:a="http://schemas.openxmlformats.org/drawingml/2006/main" xmlns:r="http://schemas.openxmlformats.org/officeDocument/2006/relationships" xmlns:p="http://schemas.openxmlformats.org/presentationml/2006/main">
-  <p:cSld>
-    <p:spTree>
-      <p:nvGrpSpPr>
-        <p:cNvPr id="1" name="">
-          <a:extLst>
-            <a:ext uri="{FF2B5EF4-FFF2-40B4-BE49-F238E27FC236}">
-              <a16:creationId xmlns:a16="http://schemas.microsoft.com/office/drawing/2014/main" id="{FC6EA96A-C46D-588D-5E65-64430F0538BB}"/>
-            </a:ext>
-          </a:extLst>
-        </p:cNvPr>
-        <p:cNvGrpSpPr/>
-        <p:nvPr/>
-      </p:nvGrpSpPr>
-      <p:grpSpPr>
-        <a:xfrm>
-          <a:off x="0" y="0"/>
-          <a:ext cx="0" cy="0"/>
-          <a:chOff x="0" y="0"/>
-          <a:chExt cx="0" cy="0"/>
-        </a:xfrm>
-      </p:grpSpPr>
-    </p:spTree>
-    <p:extLst>
-      <p:ext uri="{BB962C8B-B14F-4D97-AF65-F5344CB8AC3E}">
-        <p14:creationId xmlns:p14="http://schemas.microsoft.com/office/powerpoint/2010/main" val="1399533841"/>
-      </p:ext>
-    </p:extLst>
-  </p:cSld>
-  <p:clrMapOvr>
-    <a:masterClrMapping/>
-  </p:clrMapOvr>
-</p:sld>
-</file>
-
-<file path=ppt/slides/slide11.xml><?xml version="1.0" encoding="utf-8"?>
-<p:sld xmlns:a="http://schemas.openxmlformats.org/drawingml/2006/main" xmlns:r="http://schemas.openxmlformats.org/officeDocument/2006/relationships" xmlns:p="http://schemas.openxmlformats.org/presentationml/2006/main">
-  <p:cSld>
-    <p:spTree>
-      <p:nvGrpSpPr>
-        <p:cNvPr id="1" name="">
-          <a:extLst>
-            <a:ext uri="{FF2B5EF4-FFF2-40B4-BE49-F238E27FC236}">
-              <a16:creationId xmlns:a16="http://schemas.microsoft.com/office/drawing/2014/main" id="{FC6EA96A-C46D-588D-5E65-64430F0538BB}"/>
-            </a:ext>
-          </a:extLst>
-        </p:cNvPr>
-        <p:cNvGrpSpPr/>
-        <p:nvPr/>
-      </p:nvGrpSpPr>
-      <p:grpSpPr>
-        <a:xfrm>
-          <a:off x="0" y="0"/>
-          <a:ext cx="0" cy="0"/>
-          <a:chOff x="0" y="0"/>
-          <a:chExt cx="0" cy="0"/>
-        </a:xfrm>
-      </p:grpSpPr>
-    </p:spTree>
-    <p:extLst>
-      <p:ext uri="{BB962C8B-B14F-4D97-AF65-F5344CB8AC3E}">
-        <p14:creationId xmlns:p14="http://schemas.microsoft.com/office/powerpoint/2010/main" val="1662922743"/>
-      </p:ext>
-    </p:extLst>
-  </p:cSld>
-  <p:clrMapOvr>
-    <a:masterClrMapping/>
-  </p:clrMapOvr>
-</p:sld>
-</file>
-
-<file path=ppt/slides/slide12.xml><?xml version="1.0" encoding="utf-8"?>
-<p:sld xmlns:a="http://schemas.openxmlformats.org/drawingml/2006/main" xmlns:r="http://schemas.openxmlformats.org/officeDocument/2006/relationships" xmlns:p="http://schemas.openxmlformats.org/presentationml/2006/main">
-  <p:cSld>
-    <p:spTree>
-      <p:nvGrpSpPr>
-        <p:cNvPr id="1" name="">
-          <a:extLst>
-            <a:ext uri="{FF2B5EF4-FFF2-40B4-BE49-F238E27FC236}">
-              <a16:creationId xmlns:a16="http://schemas.microsoft.com/office/drawing/2014/main" id="{FC6EA96A-C46D-588D-5E65-64430F0538BB}"/>
-            </a:ext>
-          </a:extLst>
-        </p:cNvPr>
-        <p:cNvGrpSpPr/>
-        <p:nvPr/>
-      </p:nvGrpSpPr>
-      <p:grpSpPr>
-        <a:xfrm>
-          <a:off x="0" y="0"/>
-          <a:ext cx="0" cy="0"/>
-          <a:chOff x="0" y="0"/>
-          <a:chExt cx="0" cy="0"/>
-        </a:xfrm>
-      </p:grpSpPr>
-    </p:spTree>
-    <p:extLst>
-      <p:ext uri="{BB962C8B-B14F-4D97-AF65-F5344CB8AC3E}">
-        <p14:creationId xmlns:p14="http://schemas.microsoft.com/office/powerpoint/2010/main" val="3042265994"/>
-      </p:ext>
-    </p:extLst>
-  </p:cSld>
-  <p:clrMapOvr>
-    <a:masterClrMapping/>
-  </p:clrMapOvr>
-</p:sld>
-</file>
-
-<file path=ppt/slides/slide13.xml><?xml version="1.0" encoding="utf-8"?>
-<p:sld xmlns:a="http://schemas.openxmlformats.org/drawingml/2006/main" xmlns:r="http://schemas.openxmlformats.org/officeDocument/2006/relationships" xmlns:p="http://schemas.openxmlformats.org/presentationml/2006/main">
-  <p:cSld>
-    <p:spTree>
-      <p:nvGrpSpPr>
-        <p:cNvPr id="1" name="">
-          <a:extLst>
-            <a:ext uri="{FF2B5EF4-FFF2-40B4-BE49-F238E27FC236}">
-              <a16:creationId xmlns:a16="http://schemas.microsoft.com/office/drawing/2014/main" id="{FC6EA96A-C46D-588D-5E65-64430F0538BB}"/>
-            </a:ext>
-          </a:extLst>
-        </p:cNvPr>
-        <p:cNvGrpSpPr/>
-        <p:nvPr/>
-      </p:nvGrpSpPr>
-      <p:grpSpPr>
-        <a:xfrm>
-          <a:off x="0" y="0"/>
-          <a:ext cx="0" cy="0"/>
-          <a:chOff x="0" y="0"/>
-          <a:chExt cx="0" cy="0"/>
-        </a:xfrm>
-      </p:grpSpPr>
-    </p:spTree>
-    <p:extLst>
-      <p:ext uri="{BB962C8B-B14F-4D97-AF65-F5344CB8AC3E}">
-        <p14:creationId xmlns:p14="http://schemas.microsoft.com/office/powerpoint/2010/main" val="1415619992"/>
-      </p:ext>
-    </p:extLst>
-  </p:cSld>
-  <p:clrMapOvr>
-    <a:masterClrMapping/>
-  </p:clrMapOvr>
-</p:sld>
-</file>
-
-<file path=ppt/slides/slide14.xml><?xml version="1.0" encoding="utf-8"?>
-<p:sld xmlns:a="http://schemas.openxmlformats.org/drawingml/2006/main" xmlns:r="http://schemas.openxmlformats.org/officeDocument/2006/relationships" xmlns:p="http://schemas.openxmlformats.org/presentationml/2006/main">
-  <p:cSld>
-    <p:spTree>
-      <p:nvGrpSpPr>
-        <p:cNvPr id="1" name="">
-          <a:extLst>
-            <a:ext uri="{FF2B5EF4-FFF2-40B4-BE49-F238E27FC236}">
-              <a16:creationId xmlns:a16="http://schemas.microsoft.com/office/drawing/2014/main" id="{FC6EA96A-C46D-588D-5E65-64430F0538BB}"/>
-            </a:ext>
-          </a:extLst>
-        </p:cNvPr>
-        <p:cNvGrpSpPr/>
-        <p:nvPr/>
-      </p:nvGrpSpPr>
-      <p:grpSpPr>
-        <a:xfrm>
-          <a:off x="0" y="0"/>
-          <a:ext cx="0" cy="0"/>
-          <a:chOff x="0" y="0"/>
-          <a:chExt cx="0" cy="0"/>
-        </a:xfrm>
-      </p:grpSpPr>
-    </p:spTree>
-    <p:extLst>
-      <p:ext uri="{BB962C8B-B14F-4D97-AF65-F5344CB8AC3E}">
-        <p14:creationId xmlns:p14="http://schemas.microsoft.com/office/powerpoint/2010/main" val="1884743217"/>
-      </p:ext>
-    </p:extLst>
-  </p:cSld>
-  <p:clrMapOvr>
-    <a:masterClrMapping/>
-  </p:clrMapOvr>
-</p:sld>
-</file>
-
-<file path=ppt/slides/slide15.xml><?xml version="1.0" encoding="utf-8"?>
-<p:sld xmlns:a="http://schemas.openxmlformats.org/drawingml/2006/main" xmlns:r="http://schemas.openxmlformats.org/officeDocument/2006/relationships" xmlns:p="http://schemas.openxmlformats.org/presentationml/2006/main">
-  <p:cSld>
-    <p:spTree>
-      <p:nvGrpSpPr>
-        <p:cNvPr id="1" name="">
-          <a:extLst>
-            <a:ext uri="{FF2B5EF4-FFF2-40B4-BE49-F238E27FC236}">
-              <a16:creationId xmlns:a16="http://schemas.microsoft.com/office/drawing/2014/main" id="{FC6EA96A-C46D-588D-5E65-64430F0538BB}"/>
-            </a:ext>
-          </a:extLst>
-        </p:cNvPr>
-        <p:cNvGrpSpPr/>
-        <p:nvPr/>
-      </p:nvGrpSpPr>
-      <p:grpSpPr>
-        <a:xfrm>
-          <a:off x="0" y="0"/>
-          <a:ext cx="0" cy="0"/>
-          <a:chOff x="0" y="0"/>
-          <a:chExt cx="0" cy="0"/>
-        </a:xfrm>
-      </p:grpSpPr>
-    </p:spTree>
-    <p:extLst>
-      <p:ext uri="{BB962C8B-B14F-4D97-AF65-F5344CB8AC3E}">
-        <p14:creationId xmlns:p14="http://schemas.microsoft.com/office/powerpoint/2010/main" val="4078656512"/>
-      </p:ext>
-    </p:extLst>
-  </p:cSld>
-  <p:clrMapOvr>
-    <a:masterClrMapping/>
-  </p:clrMapOvr>
-</p:sld>
-</file>
-
-<file path=ppt/slides/slide16.xml><?xml version="1.0" encoding="utf-8"?>
-<p:sld xmlns:a="http://schemas.openxmlformats.org/drawingml/2006/main" xmlns:r="http://schemas.openxmlformats.org/officeDocument/2006/relationships" xmlns:p="http://schemas.openxmlformats.org/presentationml/2006/main">
-  <p:cSld>
-    <p:spTree>
-      <p:nvGrpSpPr>
-        <p:cNvPr id="1" name="">
-          <a:extLst>
-            <a:ext uri="{FF2B5EF4-FFF2-40B4-BE49-F238E27FC236}">
-              <a16:creationId xmlns:a16="http://schemas.microsoft.com/office/drawing/2014/main" id="{FC6EA96A-C46D-588D-5E65-64430F0538BB}"/>
-            </a:ext>
-          </a:extLst>
-        </p:cNvPr>
-        <p:cNvGrpSpPr/>
-        <p:nvPr/>
-      </p:nvGrpSpPr>
-      <p:grpSpPr>
-        <a:xfrm>
-          <a:off x="0" y="0"/>
-          <a:ext cx="0" cy="0"/>
-          <a:chOff x="0" y="0"/>
-          <a:chExt cx="0" cy="0"/>
-        </a:xfrm>
-      </p:grpSpPr>
-    </p:spTree>
-    <p:extLst>
-      <p:ext uri="{BB962C8B-B14F-4D97-AF65-F5344CB8AC3E}">
-        <p14:creationId xmlns:p14="http://schemas.microsoft.com/office/powerpoint/2010/main" val="3892588999"/>
-      </p:ext>
-    </p:extLst>
-  </p:cSld>
-  <p:clrMapOvr>
-    <a:masterClrMapping/>
-  </p:clrMapOvr>
-</p:sld>
-</file>
-
-<file path=ppt/slides/slide17.xml><?xml version="1.0" encoding="utf-8"?>
-<p:sld xmlns:a="http://schemas.openxmlformats.org/drawingml/2006/main" xmlns:r="http://schemas.openxmlformats.org/officeDocument/2006/relationships" xmlns:p="http://schemas.openxmlformats.org/presentationml/2006/main">
-  <p:cSld>
-    <p:spTree>
-      <p:nvGrpSpPr>
-        <p:cNvPr id="1" name="">
-          <a:extLst>
-            <a:ext uri="{FF2B5EF4-FFF2-40B4-BE49-F238E27FC236}">
-              <a16:creationId xmlns:a16="http://schemas.microsoft.com/office/drawing/2014/main" id="{FC6EA96A-C46D-588D-5E65-64430F0538BB}"/>
-            </a:ext>
-          </a:extLst>
-        </p:cNvPr>
-        <p:cNvGrpSpPr/>
-        <p:nvPr/>
-      </p:nvGrpSpPr>
-      <p:grpSpPr>
-        <a:xfrm>
-          <a:off x="0" y="0"/>
-          <a:ext cx="0" cy="0"/>
-          <a:chOff x="0" y="0"/>
-          <a:chExt cx="0" cy="0"/>
-        </a:xfrm>
-      </p:grpSpPr>
-    </p:spTree>
-    <p:extLst>
-      <p:ext uri="{BB962C8B-B14F-4D97-AF65-F5344CB8AC3E}">
-        <p14:creationId xmlns:p14="http://schemas.microsoft.com/office/powerpoint/2010/main" val="1870829042"/>
-      </p:ext>
-    </p:extLst>
-  </p:cSld>
-  <p:clrMapOvr>
-    <a:masterClrMapping/>
-  </p:clrMapOvr>
-</p:sld>
-</file>
-
-<file path=ppt/slides/slide18.xml><?xml version="1.0" encoding="utf-8"?>
-<p:sld xmlns:a="http://schemas.openxmlformats.org/drawingml/2006/main" xmlns:r="http://schemas.openxmlformats.org/officeDocument/2006/relationships" xmlns:p="http://schemas.openxmlformats.org/presentationml/2006/main">
-  <p:cSld>
-    <p:spTree>
-      <p:nvGrpSpPr>
-        <p:cNvPr id="1" name="">
-          <a:extLst>
-            <a:ext uri="{FF2B5EF4-FFF2-40B4-BE49-F238E27FC236}">
-              <a16:creationId xmlns:a16="http://schemas.microsoft.com/office/drawing/2014/main" id="{FC6EA96A-C46D-588D-5E65-64430F0538BB}"/>
-            </a:ext>
-          </a:extLst>
-        </p:cNvPr>
-        <p:cNvGrpSpPr/>
-        <p:nvPr/>
-      </p:nvGrpSpPr>
-      <p:grpSpPr>
-        <a:xfrm>
-          <a:off x="0" y="0"/>
-          <a:ext cx="0" cy="0"/>
-          <a:chOff x="0" y="0"/>
-          <a:chExt cx="0" cy="0"/>
-        </a:xfrm>
-      </p:grpSpPr>
-    </p:spTree>
-    <p:extLst>
-      <p:ext uri="{BB962C8B-B14F-4D97-AF65-F5344CB8AC3E}">
-        <p14:creationId xmlns:p14="http://schemas.microsoft.com/office/powerpoint/2010/main" val="3209591013"/>
-      </p:ext>
-    </p:extLst>
-  </p:cSld>
-  <p:clrMapOvr>
-    <a:masterClrMapping/>
-  </p:clrMapOvr>
-</p:sld>
-</file>
-
-<file path=ppt/slides/slide19.xml><?xml version="1.0" encoding="utf-8"?>
-<p:sld xmlns:a="http://schemas.openxmlformats.org/drawingml/2006/main" xmlns:r="http://schemas.openxmlformats.org/officeDocument/2006/relationships" xmlns:p="http://schemas.openxmlformats.org/presentationml/2006/main">
-  <p:cSld>
-    <p:spTree>
-      <p:nvGrpSpPr>
-        <p:cNvPr id="1" name="">
-          <a:extLst>
-            <a:ext uri="{FF2B5EF4-FFF2-40B4-BE49-F238E27FC236}">
-              <a16:creationId xmlns:a16="http://schemas.microsoft.com/office/drawing/2014/main" id="{FC6EA96A-C46D-588D-5E65-64430F0538BB}"/>
-            </a:ext>
-          </a:extLst>
-        </p:cNvPr>
-        <p:cNvGrpSpPr/>
-        <p:nvPr/>
-      </p:nvGrpSpPr>
-      <p:grpSpPr>
-        <a:xfrm>
-          <a:off x="0" y="0"/>
-          <a:ext cx="0" cy="0"/>
-          <a:chOff x="0" y="0"/>
-          <a:chExt cx="0" cy="0"/>
-        </a:xfrm>
-      </p:grpSpPr>
-    </p:spTree>
-    <p:extLst>
-      <p:ext uri="{BB962C8B-B14F-4D97-AF65-F5344CB8AC3E}">
-        <p14:creationId xmlns:p14="http://schemas.microsoft.com/office/powerpoint/2010/main" val="1006187151"/>
       </p:ext>
     </p:extLst>
   </p:cSld>
@@ -3778,370 +3422,40 @@
           <a:chExt cx="0" cy="0"/>
         </a:xfrm>
       </p:grpSpPr>
+      <p:pic>
+        <p:nvPicPr>
+          <p:cNvPr id="2" name="Picture 1">
+            <a:extLst>
+              <a:ext uri="{FF2B5EF4-FFF2-40B4-BE49-F238E27FC236}">
+                <a16:creationId xmlns:a16="http://schemas.microsoft.com/office/drawing/2014/main" id="{D3C087A6-F1BF-3215-D8DF-900D371F94FC}"/>
+              </a:ext>
+            </a:extLst>
+          </p:cNvPr>
+          <p:cNvPicPr>
+            <a:picLocks noChangeAspect="1"/>
+          </p:cNvPicPr>
+          <p:nvPr/>
+        </p:nvPicPr>
+        <p:blipFill>
+          <a:blip r:embed="rId2"/>
+          <a:stretch>
+            <a:fillRect/>
+          </a:stretch>
+        </p:blipFill>
+        <p:spPr>
+          <a:xfrm>
+            <a:off x="0" y="241806"/>
+            <a:ext cx="12192000" cy="6374388"/>
+          </a:xfrm>
+          <a:prstGeom prst="rect">
+            <a:avLst/>
+          </a:prstGeom>
+        </p:spPr>
+      </p:pic>
     </p:spTree>
     <p:extLst>
       <p:ext uri="{BB962C8B-B14F-4D97-AF65-F5344CB8AC3E}">
         <p14:creationId xmlns:p14="http://schemas.microsoft.com/office/powerpoint/2010/main" val="1719638969"/>
-      </p:ext>
-    </p:extLst>
-  </p:cSld>
-  <p:clrMapOvr>
-    <a:masterClrMapping/>
-  </p:clrMapOvr>
-</p:sld>
-</file>
-
-<file path=ppt/slides/slide20.xml><?xml version="1.0" encoding="utf-8"?>
-<p:sld xmlns:a="http://schemas.openxmlformats.org/drawingml/2006/main" xmlns:r="http://schemas.openxmlformats.org/officeDocument/2006/relationships" xmlns:p="http://schemas.openxmlformats.org/presentationml/2006/main">
-  <p:cSld>
-    <p:spTree>
-      <p:nvGrpSpPr>
-        <p:cNvPr id="1" name="">
-          <a:extLst>
-            <a:ext uri="{FF2B5EF4-FFF2-40B4-BE49-F238E27FC236}">
-              <a16:creationId xmlns:a16="http://schemas.microsoft.com/office/drawing/2014/main" id="{FC6EA96A-C46D-588D-5E65-64430F0538BB}"/>
-            </a:ext>
-          </a:extLst>
-        </p:cNvPr>
-        <p:cNvGrpSpPr/>
-        <p:nvPr/>
-      </p:nvGrpSpPr>
-      <p:grpSpPr>
-        <a:xfrm>
-          <a:off x="0" y="0"/>
-          <a:ext cx="0" cy="0"/>
-          <a:chOff x="0" y="0"/>
-          <a:chExt cx="0" cy="0"/>
-        </a:xfrm>
-      </p:grpSpPr>
-    </p:spTree>
-    <p:extLst>
-      <p:ext uri="{BB962C8B-B14F-4D97-AF65-F5344CB8AC3E}">
-        <p14:creationId xmlns:p14="http://schemas.microsoft.com/office/powerpoint/2010/main" val="2352267711"/>
-      </p:ext>
-    </p:extLst>
-  </p:cSld>
-  <p:clrMapOvr>
-    <a:masterClrMapping/>
-  </p:clrMapOvr>
-</p:sld>
-</file>
-
-<file path=ppt/slides/slide21.xml><?xml version="1.0" encoding="utf-8"?>
-<p:sld xmlns:a="http://schemas.openxmlformats.org/drawingml/2006/main" xmlns:r="http://schemas.openxmlformats.org/officeDocument/2006/relationships" xmlns:p="http://schemas.openxmlformats.org/presentationml/2006/main">
-  <p:cSld>
-    <p:spTree>
-      <p:nvGrpSpPr>
-        <p:cNvPr id="1" name="">
-          <a:extLst>
-            <a:ext uri="{FF2B5EF4-FFF2-40B4-BE49-F238E27FC236}">
-              <a16:creationId xmlns:a16="http://schemas.microsoft.com/office/drawing/2014/main" id="{FC6EA96A-C46D-588D-5E65-64430F0538BB}"/>
-            </a:ext>
-          </a:extLst>
-        </p:cNvPr>
-        <p:cNvGrpSpPr/>
-        <p:nvPr/>
-      </p:nvGrpSpPr>
-      <p:grpSpPr>
-        <a:xfrm>
-          <a:off x="0" y="0"/>
-          <a:ext cx="0" cy="0"/>
-          <a:chOff x="0" y="0"/>
-          <a:chExt cx="0" cy="0"/>
-        </a:xfrm>
-      </p:grpSpPr>
-    </p:spTree>
-    <p:extLst>
-      <p:ext uri="{BB962C8B-B14F-4D97-AF65-F5344CB8AC3E}">
-        <p14:creationId xmlns:p14="http://schemas.microsoft.com/office/powerpoint/2010/main" val="4270204272"/>
-      </p:ext>
-    </p:extLst>
-  </p:cSld>
-  <p:clrMapOvr>
-    <a:masterClrMapping/>
-  </p:clrMapOvr>
-</p:sld>
-</file>
-
-<file path=ppt/slides/slide22.xml><?xml version="1.0" encoding="utf-8"?>
-<p:sld xmlns:a="http://schemas.openxmlformats.org/drawingml/2006/main" xmlns:r="http://schemas.openxmlformats.org/officeDocument/2006/relationships" xmlns:p="http://schemas.openxmlformats.org/presentationml/2006/main">
-  <p:cSld>
-    <p:spTree>
-      <p:nvGrpSpPr>
-        <p:cNvPr id="1" name="">
-          <a:extLst>
-            <a:ext uri="{FF2B5EF4-FFF2-40B4-BE49-F238E27FC236}">
-              <a16:creationId xmlns:a16="http://schemas.microsoft.com/office/drawing/2014/main" id="{FC6EA96A-C46D-588D-5E65-64430F0538BB}"/>
-            </a:ext>
-          </a:extLst>
-        </p:cNvPr>
-        <p:cNvGrpSpPr/>
-        <p:nvPr/>
-      </p:nvGrpSpPr>
-      <p:grpSpPr>
-        <a:xfrm>
-          <a:off x="0" y="0"/>
-          <a:ext cx="0" cy="0"/>
-          <a:chOff x="0" y="0"/>
-          <a:chExt cx="0" cy="0"/>
-        </a:xfrm>
-      </p:grpSpPr>
-    </p:spTree>
-    <p:extLst>
-      <p:ext uri="{BB962C8B-B14F-4D97-AF65-F5344CB8AC3E}">
-        <p14:creationId xmlns:p14="http://schemas.microsoft.com/office/powerpoint/2010/main" val="3936020293"/>
-      </p:ext>
-    </p:extLst>
-  </p:cSld>
-  <p:clrMapOvr>
-    <a:masterClrMapping/>
-  </p:clrMapOvr>
-</p:sld>
-</file>
-
-<file path=ppt/slides/slide23.xml><?xml version="1.0" encoding="utf-8"?>
-<p:sld xmlns:a="http://schemas.openxmlformats.org/drawingml/2006/main" xmlns:r="http://schemas.openxmlformats.org/officeDocument/2006/relationships" xmlns:p="http://schemas.openxmlformats.org/presentationml/2006/main">
-  <p:cSld>
-    <p:spTree>
-      <p:nvGrpSpPr>
-        <p:cNvPr id="1" name="">
-          <a:extLst>
-            <a:ext uri="{FF2B5EF4-FFF2-40B4-BE49-F238E27FC236}">
-              <a16:creationId xmlns:a16="http://schemas.microsoft.com/office/drawing/2014/main" id="{FC6EA96A-C46D-588D-5E65-64430F0538BB}"/>
-            </a:ext>
-          </a:extLst>
-        </p:cNvPr>
-        <p:cNvGrpSpPr/>
-        <p:nvPr/>
-      </p:nvGrpSpPr>
-      <p:grpSpPr>
-        <a:xfrm>
-          <a:off x="0" y="0"/>
-          <a:ext cx="0" cy="0"/>
-          <a:chOff x="0" y="0"/>
-          <a:chExt cx="0" cy="0"/>
-        </a:xfrm>
-      </p:grpSpPr>
-    </p:spTree>
-    <p:extLst>
-      <p:ext uri="{BB962C8B-B14F-4D97-AF65-F5344CB8AC3E}">
-        <p14:creationId xmlns:p14="http://schemas.microsoft.com/office/powerpoint/2010/main" val="2149769742"/>
-      </p:ext>
-    </p:extLst>
-  </p:cSld>
-  <p:clrMapOvr>
-    <a:masterClrMapping/>
-  </p:clrMapOvr>
-</p:sld>
-</file>
-
-<file path=ppt/slides/slide24.xml><?xml version="1.0" encoding="utf-8"?>
-<p:sld xmlns:a="http://schemas.openxmlformats.org/drawingml/2006/main" xmlns:r="http://schemas.openxmlformats.org/officeDocument/2006/relationships" xmlns:p="http://schemas.openxmlformats.org/presentationml/2006/main">
-  <p:cSld>
-    <p:spTree>
-      <p:nvGrpSpPr>
-        <p:cNvPr id="1" name="">
-          <a:extLst>
-            <a:ext uri="{FF2B5EF4-FFF2-40B4-BE49-F238E27FC236}">
-              <a16:creationId xmlns:a16="http://schemas.microsoft.com/office/drawing/2014/main" id="{FC6EA96A-C46D-588D-5E65-64430F0538BB}"/>
-            </a:ext>
-          </a:extLst>
-        </p:cNvPr>
-        <p:cNvGrpSpPr/>
-        <p:nvPr/>
-      </p:nvGrpSpPr>
-      <p:grpSpPr>
-        <a:xfrm>
-          <a:off x="0" y="0"/>
-          <a:ext cx="0" cy="0"/>
-          <a:chOff x="0" y="0"/>
-          <a:chExt cx="0" cy="0"/>
-        </a:xfrm>
-      </p:grpSpPr>
-    </p:spTree>
-    <p:extLst>
-      <p:ext uri="{BB962C8B-B14F-4D97-AF65-F5344CB8AC3E}">
-        <p14:creationId xmlns:p14="http://schemas.microsoft.com/office/powerpoint/2010/main" val="241357418"/>
-      </p:ext>
-    </p:extLst>
-  </p:cSld>
-  <p:clrMapOvr>
-    <a:masterClrMapping/>
-  </p:clrMapOvr>
-</p:sld>
-</file>
-
-<file path=ppt/slides/slide25.xml><?xml version="1.0" encoding="utf-8"?>
-<p:sld xmlns:a="http://schemas.openxmlformats.org/drawingml/2006/main" xmlns:r="http://schemas.openxmlformats.org/officeDocument/2006/relationships" xmlns:p="http://schemas.openxmlformats.org/presentationml/2006/main">
-  <p:cSld>
-    <p:spTree>
-      <p:nvGrpSpPr>
-        <p:cNvPr id="1" name="">
-          <a:extLst>
-            <a:ext uri="{FF2B5EF4-FFF2-40B4-BE49-F238E27FC236}">
-              <a16:creationId xmlns:a16="http://schemas.microsoft.com/office/drawing/2014/main" id="{FC6EA96A-C46D-588D-5E65-64430F0538BB}"/>
-            </a:ext>
-          </a:extLst>
-        </p:cNvPr>
-        <p:cNvGrpSpPr/>
-        <p:nvPr/>
-      </p:nvGrpSpPr>
-      <p:grpSpPr>
-        <a:xfrm>
-          <a:off x="0" y="0"/>
-          <a:ext cx="0" cy="0"/>
-          <a:chOff x="0" y="0"/>
-          <a:chExt cx="0" cy="0"/>
-        </a:xfrm>
-      </p:grpSpPr>
-    </p:spTree>
-    <p:extLst>
-      <p:ext uri="{BB962C8B-B14F-4D97-AF65-F5344CB8AC3E}">
-        <p14:creationId xmlns:p14="http://schemas.microsoft.com/office/powerpoint/2010/main" val="3657499615"/>
-      </p:ext>
-    </p:extLst>
-  </p:cSld>
-  <p:clrMapOvr>
-    <a:masterClrMapping/>
-  </p:clrMapOvr>
-</p:sld>
-</file>
-
-<file path=ppt/slides/slide26.xml><?xml version="1.0" encoding="utf-8"?>
-<p:sld xmlns:a="http://schemas.openxmlformats.org/drawingml/2006/main" xmlns:r="http://schemas.openxmlformats.org/officeDocument/2006/relationships" xmlns:p="http://schemas.openxmlformats.org/presentationml/2006/main">
-  <p:cSld>
-    <p:spTree>
-      <p:nvGrpSpPr>
-        <p:cNvPr id="1" name="">
-          <a:extLst>
-            <a:ext uri="{FF2B5EF4-FFF2-40B4-BE49-F238E27FC236}">
-              <a16:creationId xmlns:a16="http://schemas.microsoft.com/office/drawing/2014/main" id="{FC6EA96A-C46D-588D-5E65-64430F0538BB}"/>
-            </a:ext>
-          </a:extLst>
-        </p:cNvPr>
-        <p:cNvGrpSpPr/>
-        <p:nvPr/>
-      </p:nvGrpSpPr>
-      <p:grpSpPr>
-        <a:xfrm>
-          <a:off x="0" y="0"/>
-          <a:ext cx="0" cy="0"/>
-          <a:chOff x="0" y="0"/>
-          <a:chExt cx="0" cy="0"/>
-        </a:xfrm>
-      </p:grpSpPr>
-    </p:spTree>
-    <p:extLst>
-      <p:ext uri="{BB962C8B-B14F-4D97-AF65-F5344CB8AC3E}">
-        <p14:creationId xmlns:p14="http://schemas.microsoft.com/office/powerpoint/2010/main" val="3365481895"/>
-      </p:ext>
-    </p:extLst>
-  </p:cSld>
-  <p:clrMapOvr>
-    <a:masterClrMapping/>
-  </p:clrMapOvr>
-</p:sld>
-</file>
-
-<file path=ppt/slides/slide27.xml><?xml version="1.0" encoding="utf-8"?>
-<p:sld xmlns:a="http://schemas.openxmlformats.org/drawingml/2006/main" xmlns:r="http://schemas.openxmlformats.org/officeDocument/2006/relationships" xmlns:p="http://schemas.openxmlformats.org/presentationml/2006/main">
-  <p:cSld>
-    <p:spTree>
-      <p:nvGrpSpPr>
-        <p:cNvPr id="1" name="">
-          <a:extLst>
-            <a:ext uri="{FF2B5EF4-FFF2-40B4-BE49-F238E27FC236}">
-              <a16:creationId xmlns:a16="http://schemas.microsoft.com/office/drawing/2014/main" id="{FC6EA96A-C46D-588D-5E65-64430F0538BB}"/>
-            </a:ext>
-          </a:extLst>
-        </p:cNvPr>
-        <p:cNvGrpSpPr/>
-        <p:nvPr/>
-      </p:nvGrpSpPr>
-      <p:grpSpPr>
-        <a:xfrm>
-          <a:off x="0" y="0"/>
-          <a:ext cx="0" cy="0"/>
-          <a:chOff x="0" y="0"/>
-          <a:chExt cx="0" cy="0"/>
-        </a:xfrm>
-      </p:grpSpPr>
-    </p:spTree>
-    <p:extLst>
-      <p:ext uri="{BB962C8B-B14F-4D97-AF65-F5344CB8AC3E}">
-        <p14:creationId xmlns:p14="http://schemas.microsoft.com/office/powerpoint/2010/main" val="3465658490"/>
-      </p:ext>
-    </p:extLst>
-  </p:cSld>
-  <p:clrMapOvr>
-    <a:masterClrMapping/>
-  </p:clrMapOvr>
-</p:sld>
-</file>
-
-<file path=ppt/slides/slide28.xml><?xml version="1.0" encoding="utf-8"?>
-<p:sld xmlns:a="http://schemas.openxmlformats.org/drawingml/2006/main" xmlns:r="http://schemas.openxmlformats.org/officeDocument/2006/relationships" xmlns:p="http://schemas.openxmlformats.org/presentationml/2006/main">
-  <p:cSld>
-    <p:spTree>
-      <p:nvGrpSpPr>
-        <p:cNvPr id="1" name="">
-          <a:extLst>
-            <a:ext uri="{FF2B5EF4-FFF2-40B4-BE49-F238E27FC236}">
-              <a16:creationId xmlns:a16="http://schemas.microsoft.com/office/drawing/2014/main" id="{FC6EA96A-C46D-588D-5E65-64430F0538BB}"/>
-            </a:ext>
-          </a:extLst>
-        </p:cNvPr>
-        <p:cNvGrpSpPr/>
-        <p:nvPr/>
-      </p:nvGrpSpPr>
-      <p:grpSpPr>
-        <a:xfrm>
-          <a:off x="0" y="0"/>
-          <a:ext cx="0" cy="0"/>
-          <a:chOff x="0" y="0"/>
-          <a:chExt cx="0" cy="0"/>
-        </a:xfrm>
-      </p:grpSpPr>
-    </p:spTree>
-    <p:extLst>
-      <p:ext uri="{BB962C8B-B14F-4D97-AF65-F5344CB8AC3E}">
-        <p14:creationId xmlns:p14="http://schemas.microsoft.com/office/powerpoint/2010/main" val="1546841529"/>
-      </p:ext>
-    </p:extLst>
-  </p:cSld>
-  <p:clrMapOvr>
-    <a:masterClrMapping/>
-  </p:clrMapOvr>
-</p:sld>
-</file>
-
-<file path=ppt/slides/slide29.xml><?xml version="1.0" encoding="utf-8"?>
-<p:sld xmlns:a="http://schemas.openxmlformats.org/drawingml/2006/main" xmlns:r="http://schemas.openxmlformats.org/officeDocument/2006/relationships" xmlns:p="http://schemas.openxmlformats.org/presentationml/2006/main">
-  <p:cSld>
-    <p:spTree>
-      <p:nvGrpSpPr>
-        <p:cNvPr id="1" name="">
-          <a:extLst>
-            <a:ext uri="{FF2B5EF4-FFF2-40B4-BE49-F238E27FC236}">
-              <a16:creationId xmlns:a16="http://schemas.microsoft.com/office/drawing/2014/main" id="{FC6EA96A-C46D-588D-5E65-64430F0538BB}"/>
-            </a:ext>
-          </a:extLst>
-        </p:cNvPr>
-        <p:cNvGrpSpPr/>
-        <p:nvPr/>
-      </p:nvGrpSpPr>
-      <p:grpSpPr>
-        <a:xfrm>
-          <a:off x="0" y="0"/>
-          <a:ext cx="0" cy="0"/>
-          <a:chOff x="0" y="0"/>
-          <a:chExt cx="0" cy="0"/>
-        </a:xfrm>
-      </p:grpSpPr>
-    </p:spTree>
-    <p:extLst>
-      <p:ext uri="{BB962C8B-B14F-4D97-AF65-F5344CB8AC3E}">
-        <p14:creationId xmlns:p14="http://schemas.microsoft.com/office/powerpoint/2010/main" val="3756898028"/>
       </p:ext>
     </p:extLst>
   </p:cSld>
@@ -4174,46 +3488,40 @@
           <a:chExt cx="0" cy="0"/>
         </a:xfrm>
       </p:grpSpPr>
+      <p:pic>
+        <p:nvPicPr>
+          <p:cNvPr id="2" name="Picture 1">
+            <a:extLst>
+              <a:ext uri="{FF2B5EF4-FFF2-40B4-BE49-F238E27FC236}">
+                <a16:creationId xmlns:a16="http://schemas.microsoft.com/office/drawing/2014/main" id="{67E4AB78-948E-E80E-0C66-7ACB96952BD5}"/>
+              </a:ext>
+            </a:extLst>
+          </p:cNvPr>
+          <p:cNvPicPr>
+            <a:picLocks noChangeAspect="1"/>
+          </p:cNvPicPr>
+          <p:nvPr/>
+        </p:nvPicPr>
+        <p:blipFill>
+          <a:blip r:embed="rId2"/>
+          <a:stretch>
+            <a:fillRect/>
+          </a:stretch>
+        </p:blipFill>
+        <p:spPr>
+          <a:xfrm>
+            <a:off x="0" y="234667"/>
+            <a:ext cx="12192000" cy="6388665"/>
+          </a:xfrm>
+          <a:prstGeom prst="rect">
+            <a:avLst/>
+          </a:prstGeom>
+        </p:spPr>
+      </p:pic>
     </p:spTree>
     <p:extLst>
       <p:ext uri="{BB962C8B-B14F-4D97-AF65-F5344CB8AC3E}">
         <p14:creationId xmlns:p14="http://schemas.microsoft.com/office/powerpoint/2010/main" val="1837522681"/>
-      </p:ext>
-    </p:extLst>
-  </p:cSld>
-  <p:clrMapOvr>
-    <a:masterClrMapping/>
-  </p:clrMapOvr>
-</p:sld>
-</file>
-
-<file path=ppt/slides/slide30.xml><?xml version="1.0" encoding="utf-8"?>
-<p:sld xmlns:a="http://schemas.openxmlformats.org/drawingml/2006/main" xmlns:r="http://schemas.openxmlformats.org/officeDocument/2006/relationships" xmlns:p="http://schemas.openxmlformats.org/presentationml/2006/main">
-  <p:cSld>
-    <p:spTree>
-      <p:nvGrpSpPr>
-        <p:cNvPr id="1" name="">
-          <a:extLst>
-            <a:ext uri="{FF2B5EF4-FFF2-40B4-BE49-F238E27FC236}">
-              <a16:creationId xmlns:a16="http://schemas.microsoft.com/office/drawing/2014/main" id="{FC6EA96A-C46D-588D-5E65-64430F0538BB}"/>
-            </a:ext>
-          </a:extLst>
-        </p:cNvPr>
-        <p:cNvGrpSpPr/>
-        <p:nvPr/>
-      </p:nvGrpSpPr>
-      <p:grpSpPr>
-        <a:xfrm>
-          <a:off x="0" y="0"/>
-          <a:ext cx="0" cy="0"/>
-          <a:chOff x="0" y="0"/>
-          <a:chExt cx="0" cy="0"/>
-        </a:xfrm>
-      </p:grpSpPr>
-    </p:spTree>
-    <p:extLst>
-      <p:ext uri="{BB962C8B-B14F-4D97-AF65-F5344CB8AC3E}">
-        <p14:creationId xmlns:p14="http://schemas.microsoft.com/office/powerpoint/2010/main" val="2427473524"/>
       </p:ext>
     </p:extLst>
   </p:cSld>
@@ -4246,190 +3554,40 @@
           <a:chExt cx="0" cy="0"/>
         </a:xfrm>
       </p:grpSpPr>
+      <p:pic>
+        <p:nvPicPr>
+          <p:cNvPr id="3" name="Picture 2">
+            <a:extLst>
+              <a:ext uri="{FF2B5EF4-FFF2-40B4-BE49-F238E27FC236}">
+                <a16:creationId xmlns:a16="http://schemas.microsoft.com/office/drawing/2014/main" id="{9CDCAFE6-C294-F479-534D-C19657AEB740}"/>
+              </a:ext>
+            </a:extLst>
+          </p:cNvPr>
+          <p:cNvPicPr>
+            <a:picLocks noChangeAspect="1"/>
+          </p:cNvPicPr>
+          <p:nvPr/>
+        </p:nvPicPr>
+        <p:blipFill>
+          <a:blip r:embed="rId2"/>
+          <a:stretch>
+            <a:fillRect/>
+          </a:stretch>
+        </p:blipFill>
+        <p:spPr>
+          <a:xfrm>
+            <a:off x="0" y="243670"/>
+            <a:ext cx="12192000" cy="6370659"/>
+          </a:xfrm>
+          <a:prstGeom prst="rect">
+            <a:avLst/>
+          </a:prstGeom>
+        </p:spPr>
+      </p:pic>
     </p:spTree>
     <p:extLst>
       <p:ext uri="{BB962C8B-B14F-4D97-AF65-F5344CB8AC3E}">
         <p14:creationId xmlns:p14="http://schemas.microsoft.com/office/powerpoint/2010/main" val="2838147373"/>
-      </p:ext>
-    </p:extLst>
-  </p:cSld>
-  <p:clrMapOvr>
-    <a:masterClrMapping/>
-  </p:clrMapOvr>
-</p:sld>
-</file>
-
-<file path=ppt/slides/slide5.xml><?xml version="1.0" encoding="utf-8"?>
-<p:sld xmlns:a="http://schemas.openxmlformats.org/drawingml/2006/main" xmlns:r="http://schemas.openxmlformats.org/officeDocument/2006/relationships" xmlns:p="http://schemas.openxmlformats.org/presentationml/2006/main">
-  <p:cSld>
-    <p:spTree>
-      <p:nvGrpSpPr>
-        <p:cNvPr id="1" name="">
-          <a:extLst>
-            <a:ext uri="{FF2B5EF4-FFF2-40B4-BE49-F238E27FC236}">
-              <a16:creationId xmlns:a16="http://schemas.microsoft.com/office/drawing/2014/main" id="{FC6EA96A-C46D-588D-5E65-64430F0538BB}"/>
-            </a:ext>
-          </a:extLst>
-        </p:cNvPr>
-        <p:cNvGrpSpPr/>
-        <p:nvPr/>
-      </p:nvGrpSpPr>
-      <p:grpSpPr>
-        <a:xfrm>
-          <a:off x="0" y="0"/>
-          <a:ext cx="0" cy="0"/>
-          <a:chOff x="0" y="0"/>
-          <a:chExt cx="0" cy="0"/>
-        </a:xfrm>
-      </p:grpSpPr>
-    </p:spTree>
-    <p:extLst>
-      <p:ext uri="{BB962C8B-B14F-4D97-AF65-F5344CB8AC3E}">
-        <p14:creationId xmlns:p14="http://schemas.microsoft.com/office/powerpoint/2010/main" val="4219056588"/>
-      </p:ext>
-    </p:extLst>
-  </p:cSld>
-  <p:clrMapOvr>
-    <a:masterClrMapping/>
-  </p:clrMapOvr>
-</p:sld>
-</file>
-
-<file path=ppt/slides/slide6.xml><?xml version="1.0" encoding="utf-8"?>
-<p:sld xmlns:a="http://schemas.openxmlformats.org/drawingml/2006/main" xmlns:r="http://schemas.openxmlformats.org/officeDocument/2006/relationships" xmlns:p="http://schemas.openxmlformats.org/presentationml/2006/main">
-  <p:cSld>
-    <p:spTree>
-      <p:nvGrpSpPr>
-        <p:cNvPr id="1" name="">
-          <a:extLst>
-            <a:ext uri="{FF2B5EF4-FFF2-40B4-BE49-F238E27FC236}">
-              <a16:creationId xmlns:a16="http://schemas.microsoft.com/office/drawing/2014/main" id="{FC6EA96A-C46D-588D-5E65-64430F0538BB}"/>
-            </a:ext>
-          </a:extLst>
-        </p:cNvPr>
-        <p:cNvGrpSpPr/>
-        <p:nvPr/>
-      </p:nvGrpSpPr>
-      <p:grpSpPr>
-        <a:xfrm>
-          <a:off x="0" y="0"/>
-          <a:ext cx="0" cy="0"/>
-          <a:chOff x="0" y="0"/>
-          <a:chExt cx="0" cy="0"/>
-        </a:xfrm>
-      </p:grpSpPr>
-    </p:spTree>
-    <p:extLst>
-      <p:ext uri="{BB962C8B-B14F-4D97-AF65-F5344CB8AC3E}">
-        <p14:creationId xmlns:p14="http://schemas.microsoft.com/office/powerpoint/2010/main" val="4207410672"/>
-      </p:ext>
-    </p:extLst>
-  </p:cSld>
-  <p:clrMapOvr>
-    <a:masterClrMapping/>
-  </p:clrMapOvr>
-</p:sld>
-</file>
-
-<file path=ppt/slides/slide7.xml><?xml version="1.0" encoding="utf-8"?>
-<p:sld xmlns:a="http://schemas.openxmlformats.org/drawingml/2006/main" xmlns:r="http://schemas.openxmlformats.org/officeDocument/2006/relationships" xmlns:p="http://schemas.openxmlformats.org/presentationml/2006/main">
-  <p:cSld>
-    <p:spTree>
-      <p:nvGrpSpPr>
-        <p:cNvPr id="1" name="">
-          <a:extLst>
-            <a:ext uri="{FF2B5EF4-FFF2-40B4-BE49-F238E27FC236}">
-              <a16:creationId xmlns:a16="http://schemas.microsoft.com/office/drawing/2014/main" id="{FC6EA96A-C46D-588D-5E65-64430F0538BB}"/>
-            </a:ext>
-          </a:extLst>
-        </p:cNvPr>
-        <p:cNvGrpSpPr/>
-        <p:nvPr/>
-      </p:nvGrpSpPr>
-      <p:grpSpPr>
-        <a:xfrm>
-          <a:off x="0" y="0"/>
-          <a:ext cx="0" cy="0"/>
-          <a:chOff x="0" y="0"/>
-          <a:chExt cx="0" cy="0"/>
-        </a:xfrm>
-      </p:grpSpPr>
-    </p:spTree>
-    <p:extLst>
-      <p:ext uri="{BB962C8B-B14F-4D97-AF65-F5344CB8AC3E}">
-        <p14:creationId xmlns:p14="http://schemas.microsoft.com/office/powerpoint/2010/main" val="2450979852"/>
-      </p:ext>
-    </p:extLst>
-  </p:cSld>
-  <p:clrMapOvr>
-    <a:masterClrMapping/>
-  </p:clrMapOvr>
-</p:sld>
-</file>
-
-<file path=ppt/slides/slide8.xml><?xml version="1.0" encoding="utf-8"?>
-<p:sld xmlns:a="http://schemas.openxmlformats.org/drawingml/2006/main" xmlns:r="http://schemas.openxmlformats.org/officeDocument/2006/relationships" xmlns:p="http://schemas.openxmlformats.org/presentationml/2006/main">
-  <p:cSld>
-    <p:spTree>
-      <p:nvGrpSpPr>
-        <p:cNvPr id="1" name="">
-          <a:extLst>
-            <a:ext uri="{FF2B5EF4-FFF2-40B4-BE49-F238E27FC236}">
-              <a16:creationId xmlns:a16="http://schemas.microsoft.com/office/drawing/2014/main" id="{FC6EA96A-C46D-588D-5E65-64430F0538BB}"/>
-            </a:ext>
-          </a:extLst>
-        </p:cNvPr>
-        <p:cNvGrpSpPr/>
-        <p:nvPr/>
-      </p:nvGrpSpPr>
-      <p:grpSpPr>
-        <a:xfrm>
-          <a:off x="0" y="0"/>
-          <a:ext cx="0" cy="0"/>
-          <a:chOff x="0" y="0"/>
-          <a:chExt cx="0" cy="0"/>
-        </a:xfrm>
-      </p:grpSpPr>
-    </p:spTree>
-    <p:extLst>
-      <p:ext uri="{BB962C8B-B14F-4D97-AF65-F5344CB8AC3E}">
-        <p14:creationId xmlns:p14="http://schemas.microsoft.com/office/powerpoint/2010/main" val="3332194525"/>
-      </p:ext>
-    </p:extLst>
-  </p:cSld>
-  <p:clrMapOvr>
-    <a:masterClrMapping/>
-  </p:clrMapOvr>
-</p:sld>
-</file>
-
-<file path=ppt/slides/slide9.xml><?xml version="1.0" encoding="utf-8"?>
-<p:sld xmlns:a="http://schemas.openxmlformats.org/drawingml/2006/main" xmlns:r="http://schemas.openxmlformats.org/officeDocument/2006/relationships" xmlns:p="http://schemas.openxmlformats.org/presentationml/2006/main">
-  <p:cSld>
-    <p:spTree>
-      <p:nvGrpSpPr>
-        <p:cNvPr id="1" name="">
-          <a:extLst>
-            <a:ext uri="{FF2B5EF4-FFF2-40B4-BE49-F238E27FC236}">
-              <a16:creationId xmlns:a16="http://schemas.microsoft.com/office/drawing/2014/main" id="{FC6EA96A-C46D-588D-5E65-64430F0538BB}"/>
-            </a:ext>
-          </a:extLst>
-        </p:cNvPr>
-        <p:cNvGrpSpPr/>
-        <p:nvPr/>
-      </p:nvGrpSpPr>
-      <p:grpSpPr>
-        <a:xfrm>
-          <a:off x="0" y="0"/>
-          <a:ext cx="0" cy="0"/>
-          <a:chOff x="0" y="0"/>
-          <a:chExt cx="0" cy="0"/>
-        </a:xfrm>
-      </p:grpSpPr>
-    </p:spTree>
-    <p:extLst>
-      <p:ext uri="{BB962C8B-B14F-4D97-AF65-F5344CB8AC3E}">
-        <p14:creationId xmlns:p14="http://schemas.microsoft.com/office/powerpoint/2010/main" val="48174116"/>
       </p:ext>
     </p:extLst>
   </p:cSld>
